--- a/Slide/China and VietNam.pptx
+++ b/Slide/China and VietNam.pptx
@@ -267,7 +267,7 @@
           <a:p>
             <a:fld id="{B63AB487-6AFC-498D-9B95-D71E135310D2}" type="datetimeFigureOut">
               <a:rPr lang="en-US" smtClean="0"/>
-              <a:t>6/8/2020</a:t>
+              <a:t>6/9/2020</a:t>
             </a:fld>
             <a:endParaRPr lang="en-US"/>
           </a:p>
@@ -465,7 +465,7 @@
           <a:p>
             <a:fld id="{B63AB487-6AFC-498D-9B95-D71E135310D2}" type="datetimeFigureOut">
               <a:rPr lang="en-US" smtClean="0"/>
-              <a:t>6/8/2020</a:t>
+              <a:t>6/9/2020</a:t>
             </a:fld>
             <a:endParaRPr lang="en-US"/>
           </a:p>
@@ -673,7 +673,7 @@
           <a:p>
             <a:fld id="{B63AB487-6AFC-498D-9B95-D71E135310D2}" type="datetimeFigureOut">
               <a:rPr lang="en-US" smtClean="0"/>
-              <a:t>6/8/2020</a:t>
+              <a:t>6/9/2020</a:t>
             </a:fld>
             <a:endParaRPr lang="en-US"/>
           </a:p>
@@ -871,7 +871,7 @@
           <a:p>
             <a:fld id="{B63AB487-6AFC-498D-9B95-D71E135310D2}" type="datetimeFigureOut">
               <a:rPr lang="en-US" smtClean="0"/>
-              <a:t>6/8/2020</a:t>
+              <a:t>6/9/2020</a:t>
             </a:fld>
             <a:endParaRPr lang="en-US"/>
           </a:p>
@@ -1146,7 +1146,7 @@
           <a:p>
             <a:fld id="{B63AB487-6AFC-498D-9B95-D71E135310D2}" type="datetimeFigureOut">
               <a:rPr lang="en-US" smtClean="0"/>
-              <a:t>6/8/2020</a:t>
+              <a:t>6/9/2020</a:t>
             </a:fld>
             <a:endParaRPr lang="en-US"/>
           </a:p>
@@ -1411,7 +1411,7 @@
           <a:p>
             <a:fld id="{B63AB487-6AFC-498D-9B95-D71E135310D2}" type="datetimeFigureOut">
               <a:rPr lang="en-US" smtClean="0"/>
-              <a:t>6/8/2020</a:t>
+              <a:t>6/9/2020</a:t>
             </a:fld>
             <a:endParaRPr lang="en-US"/>
           </a:p>
@@ -1823,7 +1823,7 @@
           <a:p>
             <a:fld id="{B63AB487-6AFC-498D-9B95-D71E135310D2}" type="datetimeFigureOut">
               <a:rPr lang="en-US" smtClean="0"/>
-              <a:t>6/8/2020</a:t>
+              <a:t>6/9/2020</a:t>
             </a:fld>
             <a:endParaRPr lang="en-US"/>
           </a:p>
@@ -1964,7 +1964,7 @@
           <a:p>
             <a:fld id="{B63AB487-6AFC-498D-9B95-D71E135310D2}" type="datetimeFigureOut">
               <a:rPr lang="en-US" smtClean="0"/>
-              <a:t>6/8/2020</a:t>
+              <a:t>6/9/2020</a:t>
             </a:fld>
             <a:endParaRPr lang="en-US"/>
           </a:p>
@@ -2077,7 +2077,7 @@
           <a:p>
             <a:fld id="{B63AB487-6AFC-498D-9B95-D71E135310D2}" type="datetimeFigureOut">
               <a:rPr lang="en-US" smtClean="0"/>
-              <a:t>6/8/2020</a:t>
+              <a:t>6/9/2020</a:t>
             </a:fld>
             <a:endParaRPr lang="en-US"/>
           </a:p>
@@ -2388,7 +2388,7 @@
           <a:p>
             <a:fld id="{B63AB487-6AFC-498D-9B95-D71E135310D2}" type="datetimeFigureOut">
               <a:rPr lang="en-US" smtClean="0"/>
-              <a:t>6/8/2020</a:t>
+              <a:t>6/9/2020</a:t>
             </a:fld>
             <a:endParaRPr lang="en-US"/>
           </a:p>
@@ -2676,7 +2676,7 @@
           <a:p>
             <a:fld id="{B63AB487-6AFC-498D-9B95-D71E135310D2}" type="datetimeFigureOut">
               <a:rPr lang="en-US" smtClean="0"/>
-              <a:t>6/8/2020</a:t>
+              <a:t>6/9/2020</a:t>
             </a:fld>
             <a:endParaRPr lang="en-US"/>
           </a:p>
@@ -2917,7 +2917,7 @@
           <a:p>
             <a:fld id="{B63AB487-6AFC-498D-9B95-D71E135310D2}" type="datetimeFigureOut">
               <a:rPr lang="en-US" smtClean="0"/>
-              <a:t>6/8/2020</a:t>
+              <a:t>6/9/2020</a:t>
             </a:fld>
             <a:endParaRPr lang="en-US"/>
           </a:p>
@@ -3370,8 +3370,46 @@
         </p:blipFill>
         <p:spPr>
           <a:xfrm>
-            <a:off x="773723" y="0"/>
+            <a:off x="0" y="3295650"/>
             <a:ext cx="6343650" cy="3562350"/>
+          </a:xfrm>
+          <a:prstGeom prst="rect">
+            <a:avLst/>
+          </a:prstGeom>
+          <a:ln>
+            <a:noFill/>
+          </a:ln>
+        </p:spPr>
+      </p:pic>
+      <p:pic>
+        <p:nvPicPr>
+          <p:cNvPr id="7" name="Picture 6" descr="A picture containing outdoor, grass, photo, old&#10;&#10;Description automatically generated">
+            <a:extLst>
+              <a:ext uri="{FF2B5EF4-FFF2-40B4-BE49-F238E27FC236}">
+                <a16:creationId xmlns:a16="http://schemas.microsoft.com/office/drawing/2014/main" id="{CB2898C2-3ACD-4543-98AA-8F558521E714}"/>
+              </a:ext>
+            </a:extLst>
+          </p:cNvPr>
+          <p:cNvPicPr>
+            <a:picLocks noChangeAspect="1"/>
+          </p:cNvPicPr>
+          <p:nvPr/>
+        </p:nvPicPr>
+        <p:blipFill rotWithShape="1">
+          <a:blip r:embed="rId3">
+            <a:extLst>
+              <a:ext uri="{28A0092B-C50C-407E-A947-70E740481C1C}">
+                <a14:useLocalDpi xmlns:a14="http://schemas.microsoft.com/office/drawing/2010/main" val="0"/>
+              </a:ext>
+            </a:extLst>
+          </a:blip>
+          <a:srcRect r="16750"/>
+          <a:stretch/>
+        </p:blipFill>
+        <p:spPr>
+          <a:xfrm>
+            <a:off x="0" y="618978"/>
+            <a:ext cx="6343650" cy="3257550"/>
           </a:xfrm>
           <a:prstGeom prst="rect">
             <a:avLst/>
@@ -3380,10 +3418,10 @@
       </p:pic>
       <p:pic>
         <p:nvPicPr>
-          <p:cNvPr id="7" name="Picture 6" descr="A picture containing outdoor, grass, photo, old&#10;&#10;Description automatically generated">
-            <a:extLst>
-              <a:ext uri="{FF2B5EF4-FFF2-40B4-BE49-F238E27FC236}">
-                <a16:creationId xmlns:a16="http://schemas.microsoft.com/office/drawing/2014/main" id="{CB2898C2-3ACD-4543-98AA-8F558521E714}"/>
+          <p:cNvPr id="12" name="Picture 11" descr="A picture containing yellow, red, sitting, man&#10;&#10;Description automatically generated">
+            <a:extLst>
+              <a:ext uri="{FF2B5EF4-FFF2-40B4-BE49-F238E27FC236}">
+                <a16:creationId xmlns:a16="http://schemas.microsoft.com/office/drawing/2014/main" id="{1DBB2D67-A8F9-447A-9DBE-24D5728A9A96}"/>
               </a:ext>
             </a:extLst>
           </p:cNvPr>
@@ -3392,21 +3430,22 @@
           </p:cNvPicPr>
           <p:nvPr/>
         </p:nvPicPr>
-        <p:blipFill rotWithShape="1">
-          <a:blip r:embed="rId3">
+        <p:blipFill>
+          <a:blip r:embed="rId4">
             <a:extLst>
               <a:ext uri="{28A0092B-C50C-407E-A947-70E740481C1C}">
                 <a14:useLocalDpi xmlns:a14="http://schemas.microsoft.com/office/drawing/2010/main" val="0"/>
               </a:ext>
             </a:extLst>
           </a:blip>
-          <a:srcRect r="16750"/>
-          <a:stretch/>
+          <a:stretch>
+            <a:fillRect/>
+          </a:stretch>
         </p:blipFill>
         <p:spPr>
           <a:xfrm>
-            <a:off x="773723" y="3600450"/>
-            <a:ext cx="6343650" cy="3257550"/>
+            <a:off x="7117373" y="1690445"/>
+            <a:ext cx="5074627" cy="3477110"/>
           </a:xfrm>
           <a:prstGeom prst="rect">
             <a:avLst/>
@@ -3415,10 +3454,10 @@
       </p:pic>
       <p:sp>
         <p:nvSpPr>
-          <p:cNvPr id="8" name="Rectangle 7">
-            <a:extLst>
-              <a:ext uri="{FF2B5EF4-FFF2-40B4-BE49-F238E27FC236}">
-                <a16:creationId xmlns:a16="http://schemas.microsoft.com/office/drawing/2014/main" id="{14C10F85-B36A-46CB-9AA1-12D00228B5A3}"/>
+          <p:cNvPr id="2" name="Rectangle 1">
+            <a:extLst>
+              <a:ext uri="{FF2B5EF4-FFF2-40B4-BE49-F238E27FC236}">
+                <a16:creationId xmlns:a16="http://schemas.microsoft.com/office/drawing/2014/main" id="{0DB2D188-583C-4DC0-8EF7-D74CBA5288C1}"/>
               </a:ext>
             </a:extLst>
           </p:cNvPr>
@@ -3428,7 +3467,7 @@
         <p:spPr>
           <a:xfrm>
             <a:off x="0" y="0"/>
-            <a:ext cx="773723" cy="6858000"/>
+            <a:ext cx="12192000" cy="618978"/>
           </a:xfrm>
           <a:prstGeom prst="rect">
             <a:avLst/>
@@ -3454,12 +3493,49 @@
           </a:fontRef>
         </p:style>
         <p:txBody>
-          <a:bodyPr vert="vert270" rtlCol="0" anchor="ctr"/>
+          <a:bodyPr rtlCol="0" anchor="ctr"/>
           <a:lstStyle/>
           <a:p>
             <a:pPr algn="ctr"/>
-            <a:r>
-              <a:rPr lang="en-US" sz="2000" dirty="0" err="1">
+            <a:endParaRPr lang="en-US">
+              <a:solidFill>
+                <a:srgbClr val="DFCCB4"/>
+              </a:solidFill>
+            </a:endParaRPr>
+          </a:p>
+        </p:txBody>
+      </p:sp>
+      <p:sp>
+        <p:nvSpPr>
+          <p:cNvPr id="3" name="TextBox 2">
+            <a:extLst>
+              <a:ext uri="{FF2B5EF4-FFF2-40B4-BE49-F238E27FC236}">
+                <a16:creationId xmlns:a16="http://schemas.microsoft.com/office/drawing/2014/main" id="{615C3795-4268-4A04-904D-738C6F6A9CB9}"/>
+              </a:ext>
+            </a:extLst>
+          </p:cNvPr>
+          <p:cNvSpPr txBox="1"/>
+          <p:nvPr/>
+        </p:nvSpPr>
+        <p:spPr>
+          <a:xfrm>
+            <a:off x="1501254" y="134625"/>
+            <a:ext cx="8652680" cy="369332"/>
+          </a:xfrm>
+          <a:prstGeom prst="rect">
+            <a:avLst/>
+          </a:prstGeom>
+          <a:noFill/>
+        </p:spPr>
+        <p:txBody>
+          <a:bodyPr wrap="square" rtlCol="0">
+            <a:spAutoFit/>
+          </a:bodyPr>
+          <a:lstStyle/>
+          <a:p>
+            <a:pPr algn="ctr"/>
+            <a:r>
+              <a:rPr lang="en-US">
                 <a:solidFill>
                   <a:schemeClr val="accent2">
                     <a:lumMod val="50000"/>
@@ -3467,211 +3543,46 @@
                 </a:solidFill>
                 <a:latin typeface="Oswald" pitchFamily="2" charset="0"/>
               </a:rPr>
-              <a:t>Quân</a:t>
-            </a:r>
-            <a:r>
-              <a:rPr lang="en-US" sz="2000" dirty="0">
-                <a:solidFill>
-                  <a:schemeClr val="accent2">
-                    <a:lumMod val="50000"/>
-                  </a:schemeClr>
-                </a:solidFill>
-                <a:latin typeface="Oswald" pitchFamily="2" charset="0"/>
-              </a:rPr>
-              <a:t> </a:t>
-            </a:r>
-            <a:r>
-              <a:rPr lang="en-US" sz="2000" dirty="0" err="1">
-                <a:solidFill>
-                  <a:schemeClr val="accent2">
-                    <a:lumMod val="50000"/>
-                  </a:schemeClr>
-                </a:solidFill>
-                <a:latin typeface="Oswald" pitchFamily="2" charset="0"/>
-              </a:rPr>
-              <a:t>đội</a:t>
-            </a:r>
-            <a:r>
-              <a:rPr lang="en-US" sz="2000" dirty="0">
-                <a:solidFill>
-                  <a:schemeClr val="accent2">
-                    <a:lumMod val="50000"/>
-                  </a:schemeClr>
-                </a:solidFill>
-                <a:latin typeface="Oswald" pitchFamily="2" charset="0"/>
-              </a:rPr>
-              <a:t> </a:t>
-            </a:r>
-            <a:r>
-              <a:rPr lang="en-US" sz="2000" dirty="0" err="1">
-                <a:solidFill>
-                  <a:schemeClr val="accent2">
-                    <a:lumMod val="50000"/>
-                  </a:schemeClr>
-                </a:solidFill>
-                <a:latin typeface="Oswald" pitchFamily="2" charset="0"/>
-              </a:rPr>
-              <a:t>trung</a:t>
-            </a:r>
-            <a:r>
-              <a:rPr lang="en-US" sz="2000" dirty="0">
-                <a:solidFill>
-                  <a:schemeClr val="accent2">
-                    <a:lumMod val="50000"/>
-                  </a:schemeClr>
-                </a:solidFill>
-                <a:latin typeface="Oswald" pitchFamily="2" charset="0"/>
-              </a:rPr>
-              <a:t> </a:t>
-            </a:r>
-            <a:r>
-              <a:rPr lang="en-US" sz="2000" dirty="0" err="1">
-                <a:solidFill>
-                  <a:schemeClr val="accent2">
-                    <a:lumMod val="50000"/>
-                  </a:schemeClr>
-                </a:solidFill>
-                <a:latin typeface="Oswald" pitchFamily="2" charset="0"/>
-              </a:rPr>
-              <a:t>quốc</a:t>
-            </a:r>
-            <a:r>
-              <a:rPr lang="en-US" sz="2000" dirty="0">
-                <a:solidFill>
-                  <a:schemeClr val="accent2">
-                    <a:lumMod val="50000"/>
-                  </a:schemeClr>
-                </a:solidFill>
-                <a:latin typeface="Oswald" pitchFamily="2" charset="0"/>
-              </a:rPr>
-              <a:t> </a:t>
-            </a:r>
-            <a:r>
-              <a:rPr lang="en-US" sz="2000" dirty="0" err="1">
-                <a:solidFill>
-                  <a:schemeClr val="accent2">
-                    <a:lumMod val="50000"/>
-                  </a:schemeClr>
-                </a:solidFill>
-                <a:latin typeface="Oswald" pitchFamily="2" charset="0"/>
-              </a:rPr>
-              <a:t>tràn</a:t>
-            </a:r>
-            <a:r>
-              <a:rPr lang="en-US" sz="2000" dirty="0">
-                <a:solidFill>
-                  <a:schemeClr val="accent2">
-                    <a:lumMod val="50000"/>
-                  </a:schemeClr>
-                </a:solidFill>
-                <a:latin typeface="Oswald" pitchFamily="2" charset="0"/>
-              </a:rPr>
-              <a:t> </a:t>
-            </a:r>
-            <a:r>
-              <a:rPr lang="en-US" sz="2000" dirty="0" err="1">
-                <a:solidFill>
-                  <a:schemeClr val="accent2">
-                    <a:lumMod val="50000"/>
-                  </a:schemeClr>
-                </a:solidFill>
-                <a:latin typeface="Oswald" pitchFamily="2" charset="0"/>
-              </a:rPr>
-              <a:t>vào</a:t>
-            </a:r>
-            <a:r>
-              <a:rPr lang="en-US" sz="2000" dirty="0">
-                <a:solidFill>
-                  <a:schemeClr val="accent2">
-                    <a:lumMod val="50000"/>
-                  </a:schemeClr>
-                </a:solidFill>
-                <a:latin typeface="Oswald" pitchFamily="2" charset="0"/>
-              </a:rPr>
-              <a:t> </a:t>
-            </a:r>
-            <a:r>
-              <a:rPr lang="en-US" sz="2000" dirty="0" err="1">
-                <a:solidFill>
-                  <a:schemeClr val="accent2">
-                    <a:lumMod val="50000"/>
-                  </a:schemeClr>
-                </a:solidFill>
-                <a:latin typeface="Oswald" pitchFamily="2" charset="0"/>
-              </a:rPr>
-              <a:t>Viêt</a:t>
-            </a:r>
-            <a:r>
-              <a:rPr lang="en-US" sz="2000" dirty="0">
-                <a:solidFill>
-                  <a:schemeClr val="accent2">
-                    <a:lumMod val="50000"/>
-                  </a:schemeClr>
-                </a:solidFill>
-                <a:latin typeface="Oswald" pitchFamily="2" charset="0"/>
-              </a:rPr>
-              <a:t> Nam</a:t>
-            </a:r>
-          </a:p>
-        </p:txBody>
-      </p:sp>
-      <p:pic>
-        <p:nvPicPr>
-          <p:cNvPr id="12" name="Picture 11" descr="A picture containing yellow, red, sitting, man&#10;&#10;Description automatically generated">
-            <a:extLst>
-              <a:ext uri="{FF2B5EF4-FFF2-40B4-BE49-F238E27FC236}">
-                <a16:creationId xmlns:a16="http://schemas.microsoft.com/office/drawing/2014/main" id="{1DBB2D67-A8F9-447A-9DBE-24D5728A9A96}"/>
-              </a:ext>
-            </a:extLst>
-          </p:cNvPr>
-          <p:cNvPicPr>
-            <a:picLocks noChangeAspect="1"/>
-          </p:cNvPicPr>
+              <a:t>Quân đội trung quốc tràn vào Viêt Nam</a:t>
+            </a:r>
+            <a:endParaRPr lang="en-US" dirty="0">
+              <a:solidFill>
+                <a:schemeClr val="accent2">
+                  <a:lumMod val="50000"/>
+                </a:schemeClr>
+              </a:solidFill>
+              <a:latin typeface="Oswald" pitchFamily="2" charset="0"/>
+            </a:endParaRPr>
+          </a:p>
+        </p:txBody>
+      </p:sp>
+      <p:sp>
+        <p:nvSpPr>
+          <p:cNvPr id="8" name="Action Button: Go Back or Previous 7">
+            <a:hlinkClick r:id="rId5" action="ppaction://hlinkpres?slideindex=2&amp;slidetitle=PowerPoint Presentation" highlightClick="1"/>
+            <a:extLst>
+              <a:ext uri="{FF2B5EF4-FFF2-40B4-BE49-F238E27FC236}">
+                <a16:creationId xmlns:a16="http://schemas.microsoft.com/office/drawing/2014/main" id="{2ED3D9AC-6447-4840-90C6-AC227A56F667}"/>
+              </a:ext>
+            </a:extLst>
+          </p:cNvPr>
+          <p:cNvSpPr/>
           <p:nvPr/>
-        </p:nvPicPr>
-        <p:blipFill>
-          <a:blip r:embed="rId4">
-            <a:extLst>
-              <a:ext uri="{28A0092B-C50C-407E-A947-70E740481C1C}">
-                <a14:useLocalDpi xmlns:a14="http://schemas.microsoft.com/office/drawing/2010/main" val="0"/>
-              </a:ext>
-            </a:extLst>
-          </a:blip>
-          <a:stretch>
-            <a:fillRect/>
-          </a:stretch>
-        </p:blipFill>
+        </p:nvSpPr>
         <p:spPr>
           <a:xfrm>
-            <a:off x="7117373" y="1861895"/>
-            <a:ext cx="5074627" cy="3477110"/>
+            <a:off x="11846058" y="6606767"/>
+            <a:ext cx="345942" cy="233534"/>
           </a:xfrm>
-          <a:prstGeom prst="rect">
+          <a:prstGeom prst="actionButtonBackPrevious">
             <a:avLst/>
           </a:prstGeom>
-        </p:spPr>
-      </p:pic>
-      <p:sp>
-        <p:nvSpPr>
-          <p:cNvPr id="13" name="Speech Bubble: Oval 12">
-            <a:extLst>
-              <a:ext uri="{FF2B5EF4-FFF2-40B4-BE49-F238E27FC236}">
-                <a16:creationId xmlns:a16="http://schemas.microsoft.com/office/drawing/2014/main" id="{FD6A8BBF-6B16-42B0-AE7C-DF44BE43351A}"/>
-              </a:ext>
-            </a:extLst>
-          </p:cNvPr>
-          <p:cNvSpPr/>
-          <p:nvPr/>
-        </p:nvSpPr>
-        <p:spPr>
-          <a:xfrm flipH="1">
-            <a:off x="9654686" y="618978"/>
-            <a:ext cx="2119972" cy="1012874"/>
-          </a:xfrm>
-          <a:prstGeom prst="wedgeEllipseCallout">
-            <a:avLst/>
-          </a:prstGeom>
-          <a:noFill/>
+          <a:solidFill>
+            <a:srgbClr val="F7F6EE"/>
+          </a:solidFill>
+          <a:ln>
+            <a:noFill/>
+          </a:ln>
         </p:spPr>
         <p:style>
           <a:lnRef idx="2">
@@ -3720,6 +3631,9 @@
                     <p:cTn id="3" fill="hold">
                       <p:stCondLst>
                         <p:cond delay="indefinite"/>
+                        <p:cond evt="onBegin" delay="0">
+                          <p:tn val="2"/>
+                        </p:cond>
                       </p:stCondLst>
                       <p:childTnLst>
                         <p:par>
@@ -3729,7 +3643,7 @@
                             </p:stCondLst>
                             <p:childTnLst>
                               <p:par>
-                                <p:cTn id="5" presetID="22" presetClass="entr" presetSubtype="4" fill="hold" grpId="0" nodeType="clickEffect">
+                                <p:cTn id="5" presetID="53" presetClass="entr" presetSubtype="16" fill="hold" nodeType="afterEffect">
                                   <p:stCondLst>
                                     <p:cond delay="0"/>
                                   </p:stCondLst>
@@ -3737,50 +3651,6 @@
                                     <p:set>
                                       <p:cBhvr>
                                         <p:cTn id="6" dur="1" fill="hold">
-                                          <p:stCondLst>
-                                            <p:cond delay="0"/>
-                                          </p:stCondLst>
-                                        </p:cTn>
-                                        <p:tgtEl>
-                                          <p:spTgt spid="8"/>
-                                        </p:tgtEl>
-                                        <p:attrNameLst>
-                                          <p:attrName>style.visibility</p:attrName>
-                                        </p:attrNameLst>
-                                      </p:cBhvr>
-                                      <p:to>
-                                        <p:strVal val="visible"/>
-                                      </p:to>
-                                    </p:set>
-                                    <p:animEffect transition="in" filter="wipe(down)">
-                                      <p:cBhvr>
-                                        <p:cTn id="7" dur="500"/>
-                                        <p:tgtEl>
-                                          <p:spTgt spid="8"/>
-                                        </p:tgtEl>
-                                      </p:cBhvr>
-                                    </p:animEffect>
-                                  </p:childTnLst>
-                                </p:cTn>
-                              </p:par>
-                            </p:childTnLst>
-                          </p:cTn>
-                        </p:par>
-                        <p:par>
-                          <p:cTn id="8" fill="hold">
-                            <p:stCondLst>
-                              <p:cond delay="500"/>
-                            </p:stCondLst>
-                            <p:childTnLst>
-                              <p:par>
-                                <p:cTn id="9" presetID="53" presetClass="entr" presetSubtype="16" fill="hold" nodeType="afterEffect">
-                                  <p:stCondLst>
-                                    <p:cond delay="0"/>
-                                  </p:stCondLst>
-                                  <p:childTnLst>
-                                    <p:set>
-                                      <p:cBhvr>
-                                        <p:cTn id="10" dur="1" fill="hold">
                                           <p:stCondLst>
                                             <p:cond delay="0"/>
                                           </p:stCondLst>
@@ -3798,7 +3668,7 @@
                                     </p:set>
                                     <p:anim calcmode="lin" valueType="num">
                                       <p:cBhvr>
-                                        <p:cTn id="11" dur="500" fill="hold"/>
+                                        <p:cTn id="7" dur="500" fill="hold"/>
                                         <p:tgtEl>
                                           <p:spTgt spid="5"/>
                                         </p:tgtEl>
@@ -3821,7 +3691,7 @@
                                     </p:anim>
                                     <p:anim calcmode="lin" valueType="num">
                                       <p:cBhvr>
-                                        <p:cTn id="12" dur="500" fill="hold"/>
+                                        <p:cTn id="8" dur="500" fill="hold"/>
                                         <p:tgtEl>
                                           <p:spTgt spid="5"/>
                                         </p:tgtEl>
@@ -3844,7 +3714,7 @@
                                     </p:anim>
                                     <p:animEffect transition="in" filter="fade">
                                       <p:cBhvr>
-                                        <p:cTn id="13" dur="500"/>
+                                        <p:cTn id="9" dur="500"/>
                                         <p:tgtEl>
                                           <p:spTgt spid="5"/>
                                         </p:tgtEl>
@@ -3854,14 +3724,14 @@
                                 </p:cTn>
                               </p:par>
                               <p:par>
-                                <p:cTn id="14" presetID="53" presetClass="entr" presetSubtype="16" fill="hold" nodeType="withEffect">
+                                <p:cTn id="10" presetID="53" presetClass="entr" presetSubtype="16" fill="hold" nodeType="withEffect">
                                   <p:stCondLst>
                                     <p:cond delay="0"/>
                                   </p:stCondLst>
                                   <p:childTnLst>
                                     <p:set>
                                       <p:cBhvr>
-                                        <p:cTn id="15" dur="1" fill="hold">
+                                        <p:cTn id="11" dur="1" fill="hold">
                                           <p:stCondLst>
                                             <p:cond delay="0"/>
                                           </p:stCondLst>
@@ -3879,7 +3749,7 @@
                                     </p:set>
                                     <p:anim calcmode="lin" valueType="num">
                                       <p:cBhvr>
-                                        <p:cTn id="16" dur="500" fill="hold"/>
+                                        <p:cTn id="12" dur="500" fill="hold"/>
                                         <p:tgtEl>
                                           <p:spTgt spid="7"/>
                                         </p:tgtEl>
@@ -3902,7 +3772,7 @@
                                     </p:anim>
                                     <p:anim calcmode="lin" valueType="num">
                                       <p:cBhvr>
-                                        <p:cTn id="17" dur="500" fill="hold"/>
+                                        <p:cTn id="13" dur="500" fill="hold"/>
                                         <p:tgtEl>
                                           <p:spTgt spid="7"/>
                                         </p:tgtEl>
@@ -3925,7 +3795,7 @@
                                     </p:anim>
                                     <p:animEffect transition="in" filter="fade">
                                       <p:cBhvr>
-                                        <p:cTn id="18" dur="500"/>
+                                        <p:cTn id="14" dur="500"/>
                                         <p:tgtEl>
                                           <p:spTgt spid="7"/>
                                         </p:tgtEl>
@@ -3935,14 +3805,14 @@
                                 </p:cTn>
                               </p:par>
                               <p:par>
-                                <p:cTn id="19" presetID="53" presetClass="entr" presetSubtype="16" fill="hold" nodeType="withEffect">
+                                <p:cTn id="15" presetID="53" presetClass="entr" presetSubtype="16" fill="hold" nodeType="withEffect">
                                   <p:stCondLst>
                                     <p:cond delay="0"/>
                                   </p:stCondLst>
                                   <p:childTnLst>
                                     <p:set>
                                       <p:cBhvr>
-                                        <p:cTn id="20" dur="1" fill="hold">
+                                        <p:cTn id="16" dur="1" fill="hold">
                                           <p:stCondLst>
                                             <p:cond delay="0"/>
                                           </p:stCondLst>
@@ -3960,7 +3830,7 @@
                                     </p:set>
                                     <p:anim calcmode="lin" valueType="num">
                                       <p:cBhvr>
-                                        <p:cTn id="21" dur="500" fill="hold"/>
+                                        <p:cTn id="17" dur="500" fill="hold"/>
                                         <p:tgtEl>
                                           <p:spTgt spid="12"/>
                                         </p:tgtEl>
@@ -3983,7 +3853,7 @@
                                     </p:anim>
                                     <p:anim calcmode="lin" valueType="num">
                                       <p:cBhvr>
-                                        <p:cTn id="22" dur="500" fill="hold"/>
+                                        <p:cTn id="18" dur="500" fill="hold"/>
                                         <p:tgtEl>
                                           <p:spTgt spid="12"/>
                                         </p:tgtEl>
@@ -4006,93 +3876,12 @@
                                     </p:anim>
                                     <p:animEffect transition="in" filter="fade">
                                       <p:cBhvr>
-                                        <p:cTn id="23" dur="500"/>
+                                        <p:cTn id="19" dur="500"/>
                                         <p:tgtEl>
                                           <p:spTgt spid="12"/>
                                         </p:tgtEl>
                                       </p:cBhvr>
                                     </p:animEffect>
-                                  </p:childTnLst>
-                                </p:cTn>
-                              </p:par>
-                              <p:par>
-                                <p:cTn id="24" presetID="47" presetClass="entr" presetSubtype="0" fill="hold" grpId="0" nodeType="withEffect">
-                                  <p:stCondLst>
-                                    <p:cond delay="0"/>
-                                  </p:stCondLst>
-                                  <p:childTnLst>
-                                    <p:set>
-                                      <p:cBhvr>
-                                        <p:cTn id="25" dur="1" fill="hold">
-                                          <p:stCondLst>
-                                            <p:cond delay="0"/>
-                                          </p:stCondLst>
-                                        </p:cTn>
-                                        <p:tgtEl>
-                                          <p:spTgt spid="13"/>
-                                        </p:tgtEl>
-                                        <p:attrNameLst>
-                                          <p:attrName>style.visibility</p:attrName>
-                                        </p:attrNameLst>
-                                      </p:cBhvr>
-                                      <p:to>
-                                        <p:strVal val="visible"/>
-                                      </p:to>
-                                    </p:set>
-                                    <p:animEffect transition="in" filter="fade">
-                                      <p:cBhvr>
-                                        <p:cTn id="26" dur="500"/>
-                                        <p:tgtEl>
-                                          <p:spTgt spid="13"/>
-                                        </p:tgtEl>
-                                      </p:cBhvr>
-                                    </p:animEffect>
-                                    <p:anim calcmode="lin" valueType="num">
-                                      <p:cBhvr>
-                                        <p:cTn id="27" dur="500" fill="hold"/>
-                                        <p:tgtEl>
-                                          <p:spTgt spid="13"/>
-                                        </p:tgtEl>
-                                        <p:attrNameLst>
-                                          <p:attrName>ppt_x</p:attrName>
-                                        </p:attrNameLst>
-                                      </p:cBhvr>
-                                      <p:tavLst>
-                                        <p:tav tm="0">
-                                          <p:val>
-                                            <p:strVal val="#ppt_x"/>
-                                          </p:val>
-                                        </p:tav>
-                                        <p:tav tm="100000">
-                                          <p:val>
-                                            <p:strVal val="#ppt_x"/>
-                                          </p:val>
-                                        </p:tav>
-                                      </p:tavLst>
-                                    </p:anim>
-                                    <p:anim calcmode="lin" valueType="num">
-                                      <p:cBhvr>
-                                        <p:cTn id="28" dur="500" fill="hold"/>
-                                        <p:tgtEl>
-                                          <p:spTgt spid="13"/>
-                                        </p:tgtEl>
-                                        <p:attrNameLst>
-                                          <p:attrName>ppt_y</p:attrName>
-                                        </p:attrNameLst>
-                                      </p:cBhvr>
-                                      <p:tavLst>
-                                        <p:tav tm="0">
-                                          <p:val>
-                                            <p:strVal val="#ppt_y-.1"/>
-                                          </p:val>
-                                        </p:tav>
-                                        <p:tav tm="100000">
-                                          <p:val>
-                                            <p:strVal val="#ppt_y"/>
-                                          </p:val>
-                                        </p:tav>
-                                      </p:tavLst>
-                                    </p:anim>
                                   </p:childTnLst>
                                 </p:cTn>
                               </p:par>
@@ -4123,10 +3912,6 @@
         </p:cTn>
       </p:par>
     </p:tnLst>
-    <p:bldLst>
-      <p:bldP spid="8" grpId="0" animBg="1"/>
-      <p:bldP spid="13" grpId="0" animBg="1"/>
-    </p:bldLst>
   </p:timing>
 </p:sld>
 </file>
